--- a/Resources/CSIAC_RustErrorHandling.pptx
+++ b/Resources/CSIAC_RustErrorHandling.pptx
@@ -228,7 +228,7 @@
           <a:p>
             <a:fld id="{055EF092-8A54-4677-B340-5EB5DEB17706}" type="datetimeFigureOut">
               <a:rPr lang="en-US" smtClean="0"/>
-              <a:t>6/6/2020</a:t>
+              <a:t>6/8/2020</a:t>
             </a:fld>
             <a:endParaRPr lang="en-US"/>
           </a:p>
@@ -642,7 +642,7 @@
           <a:p>
             <a:fld id="{36A0C7CB-2D82-423C-AB01-41EA338034A6}" type="datetime1">
               <a:rPr lang="en-US" smtClean="0"/>
-              <a:t>6/6/2020</a:t>
+              <a:t>6/8/2020</a:t>
             </a:fld>
             <a:endParaRPr lang="en-US"/>
           </a:p>
@@ -840,7 +840,7 @@
           <a:p>
             <a:fld id="{D7C78DD4-2E2E-452A-93AA-FBB2F74976C2}" type="datetime1">
               <a:rPr lang="en-US" smtClean="0"/>
-              <a:t>6/6/2020</a:t>
+              <a:t>6/8/2020</a:t>
             </a:fld>
             <a:endParaRPr lang="en-US"/>
           </a:p>
@@ -1048,7 +1048,7 @@
           <a:p>
             <a:fld id="{851591DF-6002-4AED-B0BC-482CBBAD8E96}" type="datetime1">
               <a:rPr lang="en-US" smtClean="0"/>
-              <a:t>6/6/2020</a:t>
+              <a:t>6/8/2020</a:t>
             </a:fld>
             <a:endParaRPr lang="en-US"/>
           </a:p>
@@ -2004,7 +2004,7 @@
           <a:p>
             <a:fld id="{2006D5C9-BA28-4C78-BA6C-970E82ACA9AF}" type="datetime1">
               <a:rPr lang="en-US" smtClean="0"/>
-              <a:t>6/6/2020</a:t>
+              <a:t>6/8/2020</a:t>
             </a:fld>
             <a:endParaRPr lang="en-US"/>
           </a:p>
@@ -2284,7 +2284,7 @@
           <a:p>
             <a:fld id="{ADEBBC10-72E9-4AB7-9CF2-6E5B73E4A905}" type="datetime1">
               <a:rPr lang="en-US" smtClean="0"/>
-              <a:t>6/6/2020</a:t>
+              <a:t>6/8/2020</a:t>
             </a:fld>
             <a:endParaRPr lang="en-US"/>
           </a:p>
@@ -2554,7 +2554,7 @@
           <a:p>
             <a:fld id="{4C68A4F5-DD82-4FF5-A92B-D8CBC256FF7C}" type="datetime1">
               <a:rPr lang="en-US" smtClean="0"/>
-              <a:t>6/6/2020</a:t>
+              <a:t>6/8/2020</a:t>
             </a:fld>
             <a:endParaRPr lang="en-US"/>
           </a:p>
@@ -2971,7 +2971,7 @@
           <a:p>
             <a:fld id="{1DBCDF70-3824-48C1-8216-8795ED01A5D0}" type="datetime1">
               <a:rPr lang="en-US" smtClean="0"/>
-              <a:t>6/6/2020</a:t>
+              <a:t>6/8/2020</a:t>
             </a:fld>
             <a:endParaRPr lang="en-US"/>
           </a:p>
@@ -3112,7 +3112,7 @@
           <a:p>
             <a:fld id="{E365BA3C-702A-4485-AC0E-B655E7C90C7F}" type="datetime1">
               <a:rPr lang="en-US" smtClean="0"/>
-              <a:t>6/6/2020</a:t>
+              <a:t>6/8/2020</a:t>
             </a:fld>
             <a:endParaRPr lang="en-US"/>
           </a:p>
@@ -3225,7 +3225,7 @@
           <a:p>
             <a:fld id="{2BFFD74F-4C20-47A0-AAFB-26C07C87E0C0}" type="datetime1">
               <a:rPr lang="en-US" smtClean="0"/>
-              <a:t>6/6/2020</a:t>
+              <a:t>6/8/2020</a:t>
             </a:fld>
             <a:endParaRPr lang="en-US"/>
           </a:p>
@@ -3536,7 +3536,7 @@
           <a:p>
             <a:fld id="{ECF2004F-AB7D-4F79-8768-579D51F2D46C}" type="datetime1">
               <a:rPr lang="en-US" smtClean="0"/>
-              <a:t>6/6/2020</a:t>
+              <a:t>6/8/2020</a:t>
             </a:fld>
             <a:endParaRPr lang="en-US"/>
           </a:p>
@@ -3824,7 +3824,7 @@
           <a:p>
             <a:fld id="{21C8C90A-9DD0-4D2B-BFD9-E76A52719A94}" type="datetime1">
               <a:rPr lang="en-US" smtClean="0"/>
-              <a:t>6/6/2020</a:t>
+              <a:t>6/8/2020</a:t>
             </a:fld>
             <a:endParaRPr lang="en-US"/>
           </a:p>
@@ -4065,7 +4065,7 @@
           <a:p>
             <a:fld id="{570724D7-3E32-49D3-AC4A-39ACC2C5F813}" type="datetime1">
               <a:rPr lang="en-US" smtClean="0"/>
-              <a:t>6/6/2020</a:t>
+              <a:t>6/8/2020</a:t>
             </a:fld>
             <a:endParaRPr lang="en-US"/>
           </a:p>
@@ -7680,7 +7680,7 @@
           <a:p>
             <a:r>
               <a:rPr lang="en-US" dirty="0"/>
-              <a:t>https://JimFawcett.github.io</a:t>
+              <a:t>https://JimFawcett.github.io/Resources/CSIAC_RustErrorHandling.pdf</a:t>
             </a:r>
           </a:p>
         </p:txBody>

--- a/Resources/CSIAC_RustErrorHandling.pptx
+++ b/Resources/CSIAC_RustErrorHandling.pptx
@@ -228,7 +228,7 @@
           <a:p>
             <a:fld id="{055EF092-8A54-4677-B340-5EB5DEB17706}" type="datetimeFigureOut">
               <a:rPr lang="en-US" smtClean="0"/>
-              <a:t>6/8/2020</a:t>
+              <a:t>6/14/2020</a:t>
             </a:fld>
             <a:endParaRPr lang="en-US"/>
           </a:p>
@@ -642,7 +642,7 @@
           <a:p>
             <a:fld id="{36A0C7CB-2D82-423C-AB01-41EA338034A6}" type="datetime1">
               <a:rPr lang="en-US" smtClean="0"/>
-              <a:t>6/8/2020</a:t>
+              <a:t>6/14/2020</a:t>
             </a:fld>
             <a:endParaRPr lang="en-US"/>
           </a:p>
@@ -840,7 +840,7 @@
           <a:p>
             <a:fld id="{D7C78DD4-2E2E-452A-93AA-FBB2F74976C2}" type="datetime1">
               <a:rPr lang="en-US" smtClean="0"/>
-              <a:t>6/8/2020</a:t>
+              <a:t>6/14/2020</a:t>
             </a:fld>
             <a:endParaRPr lang="en-US"/>
           </a:p>
@@ -1048,7 +1048,7 @@
           <a:p>
             <a:fld id="{851591DF-6002-4AED-B0BC-482CBBAD8E96}" type="datetime1">
               <a:rPr lang="en-US" smtClean="0"/>
-              <a:t>6/8/2020</a:t>
+              <a:t>6/14/2020</a:t>
             </a:fld>
             <a:endParaRPr lang="en-US"/>
           </a:p>
@@ -2004,7 +2004,7 @@
           <a:p>
             <a:fld id="{2006D5C9-BA28-4C78-BA6C-970E82ACA9AF}" type="datetime1">
               <a:rPr lang="en-US" smtClean="0"/>
-              <a:t>6/8/2020</a:t>
+              <a:t>6/14/2020</a:t>
             </a:fld>
             <a:endParaRPr lang="en-US"/>
           </a:p>
@@ -2284,7 +2284,7 @@
           <a:p>
             <a:fld id="{ADEBBC10-72E9-4AB7-9CF2-6E5B73E4A905}" type="datetime1">
               <a:rPr lang="en-US" smtClean="0"/>
-              <a:t>6/8/2020</a:t>
+              <a:t>6/14/2020</a:t>
             </a:fld>
             <a:endParaRPr lang="en-US"/>
           </a:p>
@@ -2554,7 +2554,7 @@
           <a:p>
             <a:fld id="{4C68A4F5-DD82-4FF5-A92B-D8CBC256FF7C}" type="datetime1">
               <a:rPr lang="en-US" smtClean="0"/>
-              <a:t>6/8/2020</a:t>
+              <a:t>6/14/2020</a:t>
             </a:fld>
             <a:endParaRPr lang="en-US"/>
           </a:p>
@@ -2971,7 +2971,7 @@
           <a:p>
             <a:fld id="{1DBCDF70-3824-48C1-8216-8795ED01A5D0}" type="datetime1">
               <a:rPr lang="en-US" smtClean="0"/>
-              <a:t>6/8/2020</a:t>
+              <a:t>6/14/2020</a:t>
             </a:fld>
             <a:endParaRPr lang="en-US"/>
           </a:p>
@@ -3112,7 +3112,7 @@
           <a:p>
             <a:fld id="{E365BA3C-702A-4485-AC0E-B655E7C90C7F}" type="datetime1">
               <a:rPr lang="en-US" smtClean="0"/>
-              <a:t>6/8/2020</a:t>
+              <a:t>6/14/2020</a:t>
             </a:fld>
             <a:endParaRPr lang="en-US"/>
           </a:p>
@@ -3225,7 +3225,7 @@
           <a:p>
             <a:fld id="{2BFFD74F-4C20-47A0-AAFB-26C07C87E0C0}" type="datetime1">
               <a:rPr lang="en-US" smtClean="0"/>
-              <a:t>6/8/2020</a:t>
+              <a:t>6/14/2020</a:t>
             </a:fld>
             <a:endParaRPr lang="en-US"/>
           </a:p>
@@ -3536,7 +3536,7 @@
           <a:p>
             <a:fld id="{ECF2004F-AB7D-4F79-8768-579D51F2D46C}" type="datetime1">
               <a:rPr lang="en-US" smtClean="0"/>
-              <a:t>6/8/2020</a:t>
+              <a:t>6/14/2020</a:t>
             </a:fld>
             <a:endParaRPr lang="en-US"/>
           </a:p>
@@ -3824,7 +3824,7 @@
           <a:p>
             <a:fld id="{21C8C90A-9DD0-4D2B-BFD9-E76A52719A94}" type="datetime1">
               <a:rPr lang="en-US" smtClean="0"/>
-              <a:t>6/8/2020</a:t>
+              <a:t>6/14/2020</a:t>
             </a:fld>
             <a:endParaRPr lang="en-US"/>
           </a:p>
@@ -4065,7 +4065,7 @@
           <a:p>
             <a:fld id="{570724D7-3E32-49D3-AC4A-39ACC2C5F813}" type="datetime1">
               <a:rPr lang="en-US" smtClean="0"/>
-              <a:t>6/8/2020</a:t>
+              <a:t>6/14/2020</a:t>
             </a:fld>
             <a:endParaRPr lang="en-US"/>
           </a:p>
@@ -7667,21 +7667,49 @@
             <p:ph type="subTitle" idx="1"/>
           </p:nvPr>
         </p:nvSpPr>
-        <p:spPr/>
-        <p:txBody>
-          <a:bodyPr/>
-          <a:lstStyle/>
-          <a:p>
-            <a:r>
-              <a:rPr lang="en-US" dirty="0"/>
+        <p:spPr>
+          <a:xfrm>
+            <a:off x="1524000" y="3602038"/>
+            <a:ext cx="9144000" cy="1968182"/>
+          </a:xfrm>
+        </p:spPr>
+        <p:txBody>
+          <a:bodyPr>
+            <a:normAutofit/>
+          </a:bodyPr>
+          <a:lstStyle/>
+          <a:p>
+            <a:r>
+              <a:rPr lang="en-US" sz="2000" dirty="0"/>
               <a:t>Jim Fawcett</a:t>
             </a:r>
           </a:p>
           <a:p>
             <a:r>
-              <a:rPr lang="en-US" dirty="0"/>
-              <a:t>https://JimFawcett.github.io/Resources/CSIAC_RustErrorHandling.pdf</a:t>
-            </a:r>
+              <a:rPr lang="en-US" sz="2000" dirty="0">
+                <a:hlinkClick r:id="rId2"/>
+              </a:rPr>
+              <a:t>https://JimFawcett.github.io</a:t>
+            </a:r>
+            <a:endParaRPr lang="en-US" sz="2000" dirty="0"/>
+          </a:p>
+          <a:p>
+            <a:r>
+              <a:rPr lang="en-US" sz="2000" dirty="0">
+                <a:hlinkClick r:id="rId3"/>
+              </a:rPr>
+              <a:t>https://jimfawcett.github.io/Resources/CSIAC_RustErrorHandling.pdf</a:t>
+            </a:r>
+            <a:endParaRPr lang="en-US" sz="2000" dirty="0"/>
+          </a:p>
+          <a:p>
+            <a:r>
+              <a:rPr lang="en-US" sz="2000" dirty="0">
+                <a:hlinkClick r:id="rId4"/>
+              </a:rPr>
+              <a:t>Rust Bite by Byte</a:t>
+            </a:r>
+            <a:endParaRPr lang="en-US" sz="2000" dirty="0"/>
           </a:p>
         </p:txBody>
       </p:sp>
